--- a/Used case diagram image of book my movie project.pptx
+++ b/Used case diagram image of book my movie project.pptx
@@ -4443,6 +4443,50 @@
           </a:xfrm>
           <a:prstGeom prst="bentConnector3">
             <a:avLst/>
+          </a:prstGeom>
+          <a:ln>
+            <a:tailEnd type="triangle"/>
+          </a:ln>
+        </p:spPr>
+        <p:style>
+          <a:lnRef idx="1">
+            <a:schemeClr val="accent1"/>
+          </a:lnRef>
+          <a:fillRef idx="0">
+            <a:schemeClr val="accent1"/>
+          </a:fillRef>
+          <a:effectRef idx="0">
+            <a:schemeClr val="accent1"/>
+          </a:effectRef>
+          <a:fontRef idx="minor">
+            <a:schemeClr val="tx1"/>
+          </a:fontRef>
+        </p:style>
+      </p:cxnSp>
+      <p:cxnSp>
+        <p:nvCxnSpPr>
+          <p:cNvPr id="17" name="Connector: Elbow 16">
+            <a:extLst>
+              <a:ext uri="{FF2B5EF4-FFF2-40B4-BE49-F238E27FC236}">
+                <a16:creationId xmlns:a16="http://schemas.microsoft.com/office/drawing/2014/main" id="{CD465E91-52B6-44EC-8E4D-84AFEF0D6C48}"/>
+              </a:ext>
+            </a:extLst>
+          </p:cNvPr>
+          <p:cNvCxnSpPr>
+            <a:stCxn id="22" idx="0"/>
+            <a:endCxn id="11" idx="1"/>
+          </p:cNvCxnSpPr>
+          <p:nvPr/>
+        </p:nvCxnSpPr>
+        <p:spPr>
+          <a:xfrm rot="5400000" flipH="1" flipV="1">
+            <a:off x="3355193" y="-2109861"/>
+            <a:ext cx="2087148" cy="6989054"/>
+          </a:xfrm>
+          <a:prstGeom prst="bentConnector3">
+            <a:avLst>
+              <a:gd name="adj1" fmla="val 115385"/>
+            </a:avLst>
           </a:prstGeom>
           <a:ln>
             <a:tailEnd type="triangle"/>
